--- a/Instructor-Led/Lessons/Module4/Module4_Lesson7 Working with Hive Tables.pptx
+++ b/Instructor-Led/Lessons/Module4/Module4_Lesson7 Working with Hive Tables.pptx
@@ -135,7 +135,7 @@
   </p:defaultTextStyle>
   <p:extLst>
     <p:ext uri="{EFAFB233-063F-42B5-8137-9DF3F51BA10A}">
-      <p15:sldGuideLst xmlns:p15="http://schemas.microsoft.com/office/powerpoint/2012/main" xmlns=""/>
+      <p15:sldGuideLst xmlns="" xmlns:p15="http://schemas.microsoft.com/office/powerpoint/2012/main"/>
     </p:ext>
   </p:extLst>
 </p:presentation>
@@ -224,7 +224,7 @@
             <a:fld id="{49B60EF2-7028-489F-85D8-FE86CD7CF2A0}" type="datetimeFigureOut">
               <a:rPr lang="en-US" smtClean="0"/>
               <a:pPr/>
-              <a:t>5/26/16</a:t>
+              <a:t>6/22/16</a:t>
             </a:fld>
             <a:endParaRPr lang="en-US"/>
           </a:p>
@@ -3545,6 +3545,68 @@
           <a:bodyPr/>
           <a:lstStyle/>
           <a:p>
+            <a:r>
+              <a:rPr lang="en-US" b="1" dirty="0" smtClean="0"/>
+              <a:t>Notes</a:t>
+            </a:r>
+            <a:r>
+              <a:rPr lang="en-US" b="1" baseline="0" dirty="0" smtClean="0"/>
+              <a:t>: </a:t>
+            </a:r>
+          </a:p>
+          <a:p>
+            <a:pPr marL="171450" indent="-171450">
+              <a:buFont typeface="Arial"/>
+              <a:buChar char="•"/>
+            </a:pPr>
+            <a:r>
+              <a:rPr lang="en-US" b="0" baseline="0" dirty="0" smtClean="0"/>
+              <a:t>The Module 4 </a:t>
+            </a:r>
+            <a:r>
+              <a:rPr lang="en-US" b="0" baseline="0" smtClean="0"/>
+              <a:t>Lesson 7 </a:t>
+            </a:r>
+            <a:r>
+              <a:rPr lang="en-US" b="0" baseline="0" dirty="0" smtClean="0"/>
+              <a:t>Lab should be completed at this time:</a:t>
+            </a:r>
+          </a:p>
+          <a:p>
+            <a:pPr marL="628650" lvl="1" indent="-171450">
+              <a:buFont typeface="Arial"/>
+              <a:buChar char="•"/>
+            </a:pPr>
+            <a:r>
+              <a:rPr lang="en-US" b="0" baseline="0" dirty="0" smtClean="0"/>
+              <a:t>https://</a:t>
+            </a:r>
+            <a:r>
+              <a:rPr lang="en-US" b="0" baseline="0" dirty="0" err="1" smtClean="0"/>
+              <a:t>github.com</a:t>
+            </a:r>
+            <a:r>
+              <a:rPr lang="en-US" b="0" baseline="0" dirty="0" smtClean="0"/>
+              <a:t>/</a:t>
+            </a:r>
+            <a:r>
+              <a:rPr lang="en-US" b="0" baseline="0" dirty="0" err="1" smtClean="0"/>
+              <a:t>MSFTImagine</a:t>
+            </a:r>
+            <a:r>
+              <a:rPr lang="en-US" b="0" baseline="0" dirty="0" smtClean="0"/>
+              <a:t>/</a:t>
+            </a:r>
+            <a:r>
+              <a:rPr lang="en-US" b="0" baseline="0" dirty="0" err="1" smtClean="0"/>
+              <a:t>computerscience</a:t>
+            </a:r>
+            <a:r>
+              <a:rPr lang="en-US" b="0" baseline="0" dirty="0" smtClean="0"/>
+              <a:t>/tree/master/Instructor-Led/Labs/Module4</a:t>
+            </a:r>
+          </a:p>
+          <a:p>
             <a:endParaRPr lang="ko-KR" altLang="en-US" dirty="0"/>
           </a:p>
         </p:txBody>
@@ -4757,7 +4819,7 @@
             <a:fld id="{0459C166-16D3-4A25-A2F8-C51E0E346B22}" type="datetimeFigureOut">
               <a:rPr lang="en-US" smtClean="0"/>
               <a:pPr/>
-              <a:t>5/26/16</a:t>
+              <a:t>6/22/16</a:t>
             </a:fld>
             <a:endParaRPr lang="en-US"/>
           </a:p>
@@ -5123,7 +5185,7 @@
             <a:fld id="{0459C166-16D3-4A25-A2F8-C51E0E346B22}" type="datetimeFigureOut">
               <a:rPr lang="en-US" smtClean="0"/>
               <a:pPr/>
-              <a:t>5/26/16</a:t>
+              <a:t>6/22/16</a:t>
             </a:fld>
             <a:endParaRPr lang="en-US"/>
           </a:p>
@@ -5242,7 +5304,7 @@
             <a:fld id="{0459C166-16D3-4A25-A2F8-C51E0E346B22}" type="datetimeFigureOut">
               <a:rPr lang="en-US" smtClean="0"/>
               <a:pPr/>
-              <a:t>5/26/16</a:t>
+              <a:t>6/22/16</a:t>
             </a:fld>
             <a:endParaRPr lang="en-US"/>
           </a:p>
@@ -5339,7 +5401,7 @@
             <a:fld id="{0459C166-16D3-4A25-A2F8-C51E0E346B22}" type="datetimeFigureOut">
               <a:rPr lang="en-US" smtClean="0"/>
               <a:pPr/>
-              <a:t>5/26/16</a:t>
+              <a:t>6/22/16</a:t>
             </a:fld>
             <a:endParaRPr lang="en-US"/>
           </a:p>
@@ -5616,7 +5678,7 @@
             <a:fld id="{0459C166-16D3-4A25-A2F8-C51E0E346B22}" type="datetimeFigureOut">
               <a:rPr lang="en-US" smtClean="0"/>
               <a:pPr/>
-              <a:t>5/26/16</a:t>
+              <a:t>6/22/16</a:t>
             </a:fld>
             <a:endParaRPr lang="en-US"/>
           </a:p>
@@ -5870,7 +5932,7 @@
             <a:fld id="{0459C166-16D3-4A25-A2F8-C51E0E346B22}" type="datetimeFigureOut">
               <a:rPr lang="en-US" smtClean="0"/>
               <a:pPr/>
-              <a:t>5/26/16</a:t>
+              <a:t>6/22/16</a:t>
             </a:fld>
             <a:endParaRPr lang="en-US"/>
           </a:p>
@@ -6040,7 +6102,7 @@
             <a:fld id="{0459C166-16D3-4A25-A2F8-C51E0E346B22}" type="datetimeFigureOut">
               <a:rPr lang="en-US" smtClean="0"/>
               <a:pPr/>
-              <a:t>5/26/16</a:t>
+              <a:t>6/22/16</a:t>
             </a:fld>
             <a:endParaRPr lang="en-US"/>
           </a:p>
@@ -6220,7 +6282,7 @@
             <a:fld id="{0459C166-16D3-4A25-A2F8-C51E0E346B22}" type="datetimeFigureOut">
               <a:rPr lang="en-US" smtClean="0"/>
               <a:pPr/>
-              <a:t>5/26/16</a:t>
+              <a:t>6/22/16</a:t>
             </a:fld>
             <a:endParaRPr lang="en-US"/>
           </a:p>
@@ -6893,7 +6955,7 @@
             <a:fld id="{0459C166-16D3-4A25-A2F8-C51E0E346B22}" type="datetimeFigureOut">
               <a:rPr lang="en-US" smtClean="0"/>
               <a:pPr/>
-              <a:t>5/26/16</a:t>
+              <a:t>6/22/16</a:t>
             </a:fld>
             <a:endParaRPr lang="en-US"/>
           </a:p>
@@ -12162,7 +12224,7 @@
             <a:fld id="{0459C166-16D3-4A25-A2F8-C51E0E346B22}" type="datetimeFigureOut">
               <a:rPr lang="en-US" smtClean="0"/>
               <a:pPr/>
-              <a:t>5/26/16</a:t>
+              <a:t>6/22/16</a:t>
             </a:fld>
             <a:endParaRPr lang="en-US"/>
           </a:p>
@@ -17107,7 +17169,7 @@
                 <a:latin typeface="Segoe UI"/>
               </a:rPr>
               <a:pPr/>
-              <a:t>5/26/16</a:t>
+              <a:t>6/22/16</a:t>
             </a:fld>
             <a:endParaRPr lang="en-US">
               <a:solidFill>
@@ -17607,7 +17669,7 @@
             <a:fld id="{0459C166-16D3-4A25-A2F8-C51E0E346B22}" type="datetimeFigureOut">
               <a:rPr lang="en-US" smtClean="0"/>
               <a:pPr/>
-              <a:t>5/26/16</a:t>
+              <a:t>6/22/16</a:t>
             </a:fld>
             <a:endParaRPr lang="en-US"/>
           </a:p>
@@ -18001,7 +18063,7 @@
             <a:fld id="{0459C166-16D3-4A25-A2F8-C51E0E346B22}" type="datetimeFigureOut">
               <a:rPr lang="en-US" smtClean="0"/>
               <a:pPr/>
-              <a:t>5/26/16</a:t>
+              <a:t>6/22/16</a:t>
             </a:fld>
             <a:endParaRPr lang="en-US"/>
           </a:p>
@@ -18964,7 +19026,7 @@
             <a:fld id="{0459C166-16D3-4A25-A2F8-C51E0E346B22}" type="datetimeFigureOut">
               <a:rPr lang="en-US" smtClean="0"/>
               <a:pPr/>
-              <a:t>5/26/16</a:t>
+              <a:t>6/22/16</a:t>
             </a:fld>
             <a:endParaRPr lang="en-US"/>
           </a:p>
@@ -19177,7 +19239,7 @@
             <a:fld id="{0459C166-16D3-4A25-A2F8-C51E0E346B22}" type="datetimeFigureOut">
               <a:rPr lang="en-US" smtClean="0"/>
               <a:pPr/>
-              <a:t>5/26/16</a:t>
+              <a:t>6/22/16</a:t>
             </a:fld>
             <a:endParaRPr lang="en-US"/>
           </a:p>
@@ -22250,11 +22312,7 @@
             </a:r>
             <a:r>
               <a:rPr lang="en-US" sz="2400" dirty="0" smtClean="0"/>
-              <a:t>interactively</a:t>
-            </a:r>
-            <a:r>
-              <a:rPr lang="en-US" sz="2400" dirty="0" smtClean="0"/>
-              <a:t>.</a:t>
+              <a:t>interactively.</a:t>
             </a:r>
             <a:endParaRPr lang="en-US" sz="2400" dirty="0"/>
           </a:p>
@@ -24516,15 +24574,7 @@
                   <a:srgbClr val="FFFFFF"/>
                 </a:solidFill>
               </a:rPr>
-              <a:t>partitions can be </a:t>
-            </a:r>
-            <a:r>
-              <a:rPr lang="en-US" sz="2800" dirty="0" smtClean="0">
-                <a:solidFill>
-                  <a:srgbClr val="FFFFFF"/>
-                </a:solidFill>
-              </a:rPr>
-              <a:t>mixed</a:t>
+              <a:t>partitions can be mixed</a:t>
             </a:r>
             <a:endParaRPr lang="en-US" sz="2800" dirty="0">
               <a:solidFill>
@@ -26783,7 +26833,7 @@
                 <a:gridCol w="888999">
                   <a:extLst>
                     <a:ext uri="{9D8B030D-6E8A-4147-A177-3AD203B41FA5}">
-                      <a16:colId xmlns="" xmlns:a16="http://schemas.microsoft.com/office/drawing/2014/main" val="48614039"/>
+                      <a16:colId xmlns:a16="http://schemas.microsoft.com/office/drawing/2014/main" xmlns="" val="48614039"/>
                     </a:ext>
                   </a:extLst>
                 </a:gridCol>
@@ -26818,7 +26868,7 @@
                 </a:tc>
                 <a:extLst>
                   <a:ext uri="{0D108BD9-81ED-4DB2-BD59-A6C34878D82A}">
-                    <a16:rowId xmlns="" xmlns:a16="http://schemas.microsoft.com/office/drawing/2014/main" val="679667022"/>
+                    <a16:rowId xmlns:a16="http://schemas.microsoft.com/office/drawing/2014/main" xmlns="" val="679667022"/>
                   </a:ext>
                 </a:extLst>
               </a:tr>
@@ -26845,7 +26895,7 @@
                 </a:tc>
                 <a:extLst>
                   <a:ext uri="{0D108BD9-81ED-4DB2-BD59-A6C34878D82A}">
-                    <a16:rowId xmlns="" xmlns:a16="http://schemas.microsoft.com/office/drawing/2014/main" val="2034482246"/>
+                    <a16:rowId xmlns:a16="http://schemas.microsoft.com/office/drawing/2014/main" xmlns="" val="2034482246"/>
                   </a:ext>
                 </a:extLst>
               </a:tr>
@@ -26873,7 +26923,7 @@
                 </a:tc>
                 <a:extLst>
                   <a:ext uri="{0D108BD9-81ED-4DB2-BD59-A6C34878D82A}">
-                    <a16:rowId xmlns="" xmlns:a16="http://schemas.microsoft.com/office/drawing/2014/main" val="682465758"/>
+                    <a16:rowId xmlns:a16="http://schemas.microsoft.com/office/drawing/2014/main" xmlns="" val="682465758"/>
                   </a:ext>
                 </a:extLst>
               </a:tr>
@@ -26901,7 +26951,7 @@
                 </a:tc>
                 <a:extLst>
                   <a:ext uri="{0D108BD9-81ED-4DB2-BD59-A6C34878D82A}">
-                    <a16:rowId xmlns="" xmlns:a16="http://schemas.microsoft.com/office/drawing/2014/main" val="4230228483"/>
+                    <a16:rowId xmlns:a16="http://schemas.microsoft.com/office/drawing/2014/main" xmlns="" val="4230228483"/>
                   </a:ext>
                 </a:extLst>
               </a:tr>
@@ -26989,7 +27039,7 @@
                 <a:gridCol w="992163">
                   <a:extLst>
                     <a:ext uri="{9D8B030D-6E8A-4147-A177-3AD203B41FA5}">
-                      <a16:colId xmlns="" xmlns:a16="http://schemas.microsoft.com/office/drawing/2014/main" val="48614039"/>
+                      <a16:colId xmlns:a16="http://schemas.microsoft.com/office/drawing/2014/main" xmlns="" val="48614039"/>
                     </a:ext>
                   </a:extLst>
                 </a:gridCol>
@@ -27024,7 +27074,7 @@
                 </a:tc>
                 <a:extLst>
                   <a:ext uri="{0D108BD9-81ED-4DB2-BD59-A6C34878D82A}">
-                    <a16:rowId xmlns="" xmlns:a16="http://schemas.microsoft.com/office/drawing/2014/main" val="679667022"/>
+                    <a16:rowId xmlns:a16="http://schemas.microsoft.com/office/drawing/2014/main" xmlns="" val="679667022"/>
                   </a:ext>
                 </a:extLst>
               </a:tr>
@@ -27052,7 +27102,7 @@
                 </a:tc>
                 <a:extLst>
                   <a:ext uri="{0D108BD9-81ED-4DB2-BD59-A6C34878D82A}">
-                    <a16:rowId xmlns="" xmlns:a16="http://schemas.microsoft.com/office/drawing/2014/main" val="2034482246"/>
+                    <a16:rowId xmlns:a16="http://schemas.microsoft.com/office/drawing/2014/main" xmlns="" val="2034482246"/>
                   </a:ext>
                 </a:extLst>
               </a:tr>
@@ -27080,7 +27130,7 @@
                 </a:tc>
                 <a:extLst>
                   <a:ext uri="{0D108BD9-81ED-4DB2-BD59-A6C34878D82A}">
-                    <a16:rowId xmlns="" xmlns:a16="http://schemas.microsoft.com/office/drawing/2014/main" val="682465758"/>
+                    <a16:rowId xmlns:a16="http://schemas.microsoft.com/office/drawing/2014/main" xmlns="" val="682465758"/>
                   </a:ext>
                 </a:extLst>
               </a:tr>
@@ -27108,7 +27158,7 @@
                 </a:tc>
                 <a:extLst>
                   <a:ext uri="{0D108BD9-81ED-4DB2-BD59-A6C34878D82A}">
-                    <a16:rowId xmlns="" xmlns:a16="http://schemas.microsoft.com/office/drawing/2014/main" val="4230228483"/>
+                    <a16:rowId xmlns:a16="http://schemas.microsoft.com/office/drawing/2014/main" xmlns="" val="4230228483"/>
                   </a:ext>
                 </a:extLst>
               </a:tr>
@@ -27144,7 +27194,7 @@
                 <a:gridCol w="969264">
                   <a:extLst>
                     <a:ext uri="{9D8B030D-6E8A-4147-A177-3AD203B41FA5}">
-                      <a16:colId xmlns="" xmlns:a16="http://schemas.microsoft.com/office/drawing/2014/main" val="48614039"/>
+                      <a16:colId xmlns:a16="http://schemas.microsoft.com/office/drawing/2014/main" xmlns="" val="48614039"/>
                     </a:ext>
                   </a:extLst>
                 </a:gridCol>
@@ -27179,7 +27229,7 @@
                 </a:tc>
                 <a:extLst>
                   <a:ext uri="{0D108BD9-81ED-4DB2-BD59-A6C34878D82A}">
-                    <a16:rowId xmlns="" xmlns:a16="http://schemas.microsoft.com/office/drawing/2014/main" val="679667022"/>
+                    <a16:rowId xmlns:a16="http://schemas.microsoft.com/office/drawing/2014/main" xmlns="" val="679667022"/>
                   </a:ext>
                 </a:extLst>
               </a:tr>
@@ -27206,7 +27256,7 @@
                 </a:tc>
                 <a:extLst>
                   <a:ext uri="{0D108BD9-81ED-4DB2-BD59-A6C34878D82A}">
-                    <a16:rowId xmlns="" xmlns:a16="http://schemas.microsoft.com/office/drawing/2014/main" val="2034482246"/>
+                    <a16:rowId xmlns:a16="http://schemas.microsoft.com/office/drawing/2014/main" xmlns="" val="2034482246"/>
                   </a:ext>
                 </a:extLst>
               </a:tr>
@@ -27234,7 +27284,7 @@
                 </a:tc>
                 <a:extLst>
                   <a:ext uri="{0D108BD9-81ED-4DB2-BD59-A6C34878D82A}">
-                    <a16:rowId xmlns="" xmlns:a16="http://schemas.microsoft.com/office/drawing/2014/main" val="682465758"/>
+                    <a16:rowId xmlns:a16="http://schemas.microsoft.com/office/drawing/2014/main" xmlns="" val="682465758"/>
                   </a:ext>
                 </a:extLst>
               </a:tr>
@@ -27262,7 +27312,7 @@
                 </a:tc>
                 <a:extLst>
                   <a:ext uri="{0D108BD9-81ED-4DB2-BD59-A6C34878D82A}">
-                    <a16:rowId xmlns="" xmlns:a16="http://schemas.microsoft.com/office/drawing/2014/main" val="4230228483"/>
+                    <a16:rowId xmlns:a16="http://schemas.microsoft.com/office/drawing/2014/main" xmlns="" val="4230228483"/>
                   </a:ext>
                 </a:extLst>
               </a:tr>
@@ -28181,7 +28231,7 @@
                 <a:gridCol w="710788">
                   <a:extLst>
                     <a:ext uri="{9D8B030D-6E8A-4147-A177-3AD203B41FA5}">
-                      <a16:colId xmlns="" xmlns:a16="http://schemas.microsoft.com/office/drawing/2014/main" val="48614039"/>
+                      <a16:colId xmlns:a16="http://schemas.microsoft.com/office/drawing/2014/main" xmlns="" val="48614039"/>
                     </a:ext>
                   </a:extLst>
                 </a:gridCol>
@@ -28216,7 +28266,7 @@
                 </a:tc>
                 <a:extLst>
                   <a:ext uri="{0D108BD9-81ED-4DB2-BD59-A6C34878D82A}">
-                    <a16:rowId xmlns="" xmlns:a16="http://schemas.microsoft.com/office/drawing/2014/main" val="679667022"/>
+                    <a16:rowId xmlns:a16="http://schemas.microsoft.com/office/drawing/2014/main" xmlns="" val="679667022"/>
                   </a:ext>
                 </a:extLst>
               </a:tr>
@@ -28243,7 +28293,7 @@
                 </a:tc>
                 <a:extLst>
                   <a:ext uri="{0D108BD9-81ED-4DB2-BD59-A6C34878D82A}">
-                    <a16:rowId xmlns="" xmlns:a16="http://schemas.microsoft.com/office/drawing/2014/main" val="2034482246"/>
+                    <a16:rowId xmlns:a16="http://schemas.microsoft.com/office/drawing/2014/main" xmlns="" val="2034482246"/>
                   </a:ext>
                 </a:extLst>
               </a:tr>
@@ -28271,7 +28321,7 @@
                 </a:tc>
                 <a:extLst>
                   <a:ext uri="{0D108BD9-81ED-4DB2-BD59-A6C34878D82A}">
-                    <a16:rowId xmlns="" xmlns:a16="http://schemas.microsoft.com/office/drawing/2014/main" val="682465758"/>
+                    <a16:rowId xmlns:a16="http://schemas.microsoft.com/office/drawing/2014/main" xmlns="" val="682465758"/>
                   </a:ext>
                 </a:extLst>
               </a:tr>
@@ -28299,7 +28349,7 @@
                 </a:tc>
                 <a:extLst>
                   <a:ext uri="{0D108BD9-81ED-4DB2-BD59-A6C34878D82A}">
-                    <a16:rowId xmlns="" xmlns:a16="http://schemas.microsoft.com/office/drawing/2014/main" val="4230228483"/>
+                    <a16:rowId xmlns:a16="http://schemas.microsoft.com/office/drawing/2014/main" xmlns="" val="4230228483"/>
                   </a:ext>
                 </a:extLst>
               </a:tr>
@@ -28387,7 +28437,7 @@
                 <a:gridCol w="774095">
                   <a:extLst>
                     <a:ext uri="{9D8B030D-6E8A-4147-A177-3AD203B41FA5}">
-                      <a16:colId xmlns="" xmlns:a16="http://schemas.microsoft.com/office/drawing/2014/main" val="48614039"/>
+                      <a16:colId xmlns:a16="http://schemas.microsoft.com/office/drawing/2014/main" xmlns="" val="48614039"/>
                     </a:ext>
                   </a:extLst>
                 </a:gridCol>
@@ -28422,7 +28472,7 @@
                 </a:tc>
                 <a:extLst>
                   <a:ext uri="{0D108BD9-81ED-4DB2-BD59-A6C34878D82A}">
-                    <a16:rowId xmlns="" xmlns:a16="http://schemas.microsoft.com/office/drawing/2014/main" val="679667022"/>
+                    <a16:rowId xmlns:a16="http://schemas.microsoft.com/office/drawing/2014/main" xmlns="" val="679667022"/>
                   </a:ext>
                 </a:extLst>
               </a:tr>
@@ -28450,7 +28500,7 @@
                 </a:tc>
                 <a:extLst>
                   <a:ext uri="{0D108BD9-81ED-4DB2-BD59-A6C34878D82A}">
-                    <a16:rowId xmlns="" xmlns:a16="http://schemas.microsoft.com/office/drawing/2014/main" val="2034482246"/>
+                    <a16:rowId xmlns:a16="http://schemas.microsoft.com/office/drawing/2014/main" xmlns="" val="2034482246"/>
                   </a:ext>
                 </a:extLst>
               </a:tr>
@@ -28478,7 +28528,7 @@
                 </a:tc>
                 <a:extLst>
                   <a:ext uri="{0D108BD9-81ED-4DB2-BD59-A6C34878D82A}">
-                    <a16:rowId xmlns="" xmlns:a16="http://schemas.microsoft.com/office/drawing/2014/main" val="682465758"/>
+                    <a16:rowId xmlns:a16="http://schemas.microsoft.com/office/drawing/2014/main" xmlns="" val="682465758"/>
                   </a:ext>
                 </a:extLst>
               </a:tr>
@@ -28506,7 +28556,7 @@
                 </a:tc>
                 <a:extLst>
                   <a:ext uri="{0D108BD9-81ED-4DB2-BD59-A6C34878D82A}">
-                    <a16:rowId xmlns="" xmlns:a16="http://schemas.microsoft.com/office/drawing/2014/main" val="4230228483"/>
+                    <a16:rowId xmlns:a16="http://schemas.microsoft.com/office/drawing/2014/main" xmlns="" val="4230228483"/>
                   </a:ext>
                 </a:extLst>
               </a:tr>
@@ -28542,7 +28592,7 @@
                 <a:gridCol w="621911">
                   <a:extLst>
                     <a:ext uri="{9D8B030D-6E8A-4147-A177-3AD203B41FA5}">
-                      <a16:colId xmlns="" xmlns:a16="http://schemas.microsoft.com/office/drawing/2014/main" val="48614039"/>
+                      <a16:colId xmlns:a16="http://schemas.microsoft.com/office/drawing/2014/main" xmlns="" val="48614039"/>
                     </a:ext>
                   </a:extLst>
                 </a:gridCol>
@@ -28577,7 +28627,7 @@
                 </a:tc>
                 <a:extLst>
                   <a:ext uri="{0D108BD9-81ED-4DB2-BD59-A6C34878D82A}">
-                    <a16:rowId xmlns="" xmlns:a16="http://schemas.microsoft.com/office/drawing/2014/main" val="679667022"/>
+                    <a16:rowId xmlns:a16="http://schemas.microsoft.com/office/drawing/2014/main" xmlns="" val="679667022"/>
                   </a:ext>
                 </a:extLst>
               </a:tr>
@@ -28604,7 +28654,7 @@
                 </a:tc>
                 <a:extLst>
                   <a:ext uri="{0D108BD9-81ED-4DB2-BD59-A6C34878D82A}">
-                    <a16:rowId xmlns="" xmlns:a16="http://schemas.microsoft.com/office/drawing/2014/main" val="2034482246"/>
+                    <a16:rowId xmlns:a16="http://schemas.microsoft.com/office/drawing/2014/main" xmlns="" val="2034482246"/>
                   </a:ext>
                 </a:extLst>
               </a:tr>
@@ -28632,7 +28682,7 @@
                 </a:tc>
                 <a:extLst>
                   <a:ext uri="{0D108BD9-81ED-4DB2-BD59-A6C34878D82A}">
-                    <a16:rowId xmlns="" xmlns:a16="http://schemas.microsoft.com/office/drawing/2014/main" val="682465758"/>
+                    <a16:rowId xmlns:a16="http://schemas.microsoft.com/office/drawing/2014/main" xmlns="" val="682465758"/>
                   </a:ext>
                 </a:extLst>
               </a:tr>
@@ -28660,7 +28710,7 @@
                 </a:tc>
                 <a:extLst>
                   <a:ext uri="{0D108BD9-81ED-4DB2-BD59-A6C34878D82A}">
-                    <a16:rowId xmlns="" xmlns:a16="http://schemas.microsoft.com/office/drawing/2014/main" val="4230228483"/>
+                    <a16:rowId xmlns:a16="http://schemas.microsoft.com/office/drawing/2014/main" xmlns="" val="4230228483"/>
                   </a:ext>
                 </a:extLst>
               </a:tr>
@@ -30918,7 +30968,7 @@
   <a:extraClrSchemeLst/>
   <a:extLst>
     <a:ext uri="{05A4C25C-085E-4340-85A3-A5531E510DB2}">
-      <thm15:themeFamily xmlns:thm15="http://schemas.microsoft.com/office/thememl/2012/main" xmlns="" name="Office Theme" id="{62F939B6-93AF-4DB8-9C6B-D6C7DFDC589F}" vid="{4A3C46E8-61CC-4603-A589-7422A47A8E4A}"/>
+      <thm15:themeFamily xmlns="" xmlns:thm15="http://schemas.microsoft.com/office/thememl/2012/main" name="Office Theme" id="{62F939B6-93AF-4DB8-9C6B-D6C7DFDC589F}" vid="{4A3C46E8-61CC-4603-A589-7422A47A8E4A}"/>
     </a:ext>
   </a:extLst>
 </a:theme>
@@ -31251,7 +31301,7 @@
   <a:extraClrSchemeLst/>
   <a:extLst>
     <a:ext uri="{05A4C25C-085E-4340-85A3-A5531E510DB2}">
-      <thm15:themeFamily xmlns="" xmlns:thm15="http://schemas.microsoft.com/office/thememl/2012/main" name="Azure4ResearchTemplate" id="{DD1C6CE8-BDBA-0D4F-9930-3643ABC8EF0E}" vid="{B5C66FD7-0952-994B-96D6-AB3BB89097FE}"/>
+      <thm15:themeFamily xmlns:thm15="http://schemas.microsoft.com/office/thememl/2012/main" xmlns="" name="Azure4ResearchTemplate" id="{DD1C6CE8-BDBA-0D4F-9930-3643ABC8EF0E}" vid="{B5C66FD7-0952-994B-96D6-AB3BB89097FE}"/>
     </a:ext>
   </a:extLst>
 </a:theme>
@@ -31546,7 +31596,7 @@
   <a:extraClrSchemeLst/>
   <a:extLst>
     <a:ext uri="{05A4C25C-085E-4340-85A3-A5531E510DB2}">
-      <thm15:themeFamily xmlns:thm15="http://schemas.microsoft.com/office/thememl/2012/main" xmlns="" name="Office Theme" id="{62F939B6-93AF-4DB8-9C6B-D6C7DFDC589F}" vid="{4A3C46E8-61CC-4603-A589-7422A47A8E4A}"/>
+      <thm15:themeFamily xmlns="" xmlns:thm15="http://schemas.microsoft.com/office/thememl/2012/main" name="Office Theme" id="{62F939B6-93AF-4DB8-9C6B-D6C7DFDC589F}" vid="{4A3C46E8-61CC-4603-A589-7422A47A8E4A}"/>
     </a:ext>
   </a:extLst>
 </a:theme>
